--- a/ED-Tema-2/2.2 PRACTICA DE RECURCIVIDAD_CYNTHIA JASMINE MORALES TORRES.pptx
+++ b/ED-Tema-2/2.2 PRACTICA DE RECURCIVIDAD_CYNTHIA JASMINE MORALES TORRES.pptx
@@ -7,11 +7,12 @@
   <p:sldIdLst>
     <p:sldId id="256" r:id="rId2"/>
     <p:sldId id="260" r:id="rId3"/>
-    <p:sldId id="257" r:id="rId4"/>
-    <p:sldId id="258" r:id="rId5"/>
-    <p:sldId id="259" r:id="rId6"/>
-    <p:sldId id="261" r:id="rId7"/>
-    <p:sldId id="262" r:id="rId8"/>
+    <p:sldId id="265" r:id="rId4"/>
+    <p:sldId id="266" r:id="rId5"/>
+    <p:sldId id="267" r:id="rId6"/>
+    <p:sldId id="263" r:id="rId7"/>
+    <p:sldId id="264" r:id="rId8"/>
+    <p:sldId id="261" r:id="rId9"/>
   </p:sldIdLst>
   <p:sldSz cx="12192000" cy="6858000"/>
   <p:notesSz cx="6858000" cy="9144000"/>
@@ -342,7 +343,7 @@
           <a:p>
             <a:fld id="{7E60E8F0-E53A-4538-9703-51547DDCF772}" type="datetimeFigureOut">
               <a:rPr lang="es-MX" smtClean="0"/>
-              <a:t>25/11/2025</a:t>
+              <a:t>14/12/2025</a:t>
             </a:fld>
             <a:endParaRPr lang="es-MX"/>
           </a:p>
@@ -666,7 +667,7 @@
           <a:p>
             <a:fld id="{7E60E8F0-E53A-4538-9703-51547DDCF772}" type="datetimeFigureOut">
               <a:rPr lang="es-MX" smtClean="0"/>
-              <a:t>25/11/2025</a:t>
+              <a:t>14/12/2025</a:t>
             </a:fld>
             <a:endParaRPr lang="es-MX"/>
           </a:p>
@@ -914,7 +915,7 @@
           <a:p>
             <a:fld id="{7E60E8F0-E53A-4538-9703-51547DDCF772}" type="datetimeFigureOut">
               <a:rPr lang="es-MX" smtClean="0"/>
-              <a:t>25/11/2025</a:t>
+              <a:t>14/12/2025</a:t>
             </a:fld>
             <a:endParaRPr lang="es-MX"/>
           </a:p>
@@ -1253,7 +1254,7 @@
           <a:p>
             <a:fld id="{7E60E8F0-E53A-4538-9703-51547DDCF772}" type="datetimeFigureOut">
               <a:rPr lang="es-MX" smtClean="0"/>
-              <a:t>25/11/2025</a:t>
+              <a:t>14/12/2025</a:t>
             </a:fld>
             <a:endParaRPr lang="es-MX"/>
           </a:p>
@@ -1600,7 +1601,7 @@
           <a:p>
             <a:fld id="{7E60E8F0-E53A-4538-9703-51547DDCF772}" type="datetimeFigureOut">
               <a:rPr lang="es-MX" smtClean="0"/>
-              <a:t>25/11/2025</a:t>
+              <a:t>14/12/2025</a:t>
             </a:fld>
             <a:endParaRPr lang="es-MX"/>
           </a:p>
@@ -1974,7 +1975,7 @@
           <a:p>
             <a:fld id="{7E60E8F0-E53A-4538-9703-51547DDCF772}" type="datetimeFigureOut">
               <a:rPr lang="es-MX" smtClean="0"/>
-              <a:t>25/11/2025</a:t>
+              <a:t>14/12/2025</a:t>
             </a:fld>
             <a:endParaRPr lang="es-MX"/>
           </a:p>
@@ -2444,7 +2445,7 @@
           <a:p>
             <a:fld id="{7E60E8F0-E53A-4538-9703-51547DDCF772}" type="datetimeFigureOut">
               <a:rPr lang="es-MX" smtClean="0"/>
-              <a:t>25/11/2025</a:t>
+              <a:t>14/12/2025</a:t>
             </a:fld>
             <a:endParaRPr lang="es-MX"/>
           </a:p>
@@ -2649,7 +2650,7 @@
           <a:p>
             <a:fld id="{7E60E8F0-E53A-4538-9703-51547DDCF772}" type="datetimeFigureOut">
               <a:rPr lang="es-MX" smtClean="0"/>
-              <a:t>25/11/2025</a:t>
+              <a:t>14/12/2025</a:t>
             </a:fld>
             <a:endParaRPr lang="es-MX"/>
           </a:p>
@@ -2860,7 +2861,7 @@
           <a:p>
             <a:fld id="{7E60E8F0-E53A-4538-9703-51547DDCF772}" type="datetimeFigureOut">
               <a:rPr lang="es-MX" smtClean="0"/>
-              <a:t>25/11/2025</a:t>
+              <a:t>14/12/2025</a:t>
             </a:fld>
             <a:endParaRPr lang="es-MX"/>
           </a:p>
@@ -3091,7 +3092,7 @@
           <a:p>
             <a:fld id="{7E60E8F0-E53A-4538-9703-51547DDCF772}" type="datetimeFigureOut">
               <a:rPr lang="es-MX" smtClean="0"/>
-              <a:t>25/11/2025</a:t>
+              <a:t>14/12/2025</a:t>
             </a:fld>
             <a:endParaRPr lang="es-MX"/>
           </a:p>
@@ -3339,7 +3340,7 @@
           <a:p>
             <a:fld id="{7E60E8F0-E53A-4538-9703-51547DDCF772}" type="datetimeFigureOut">
               <a:rPr lang="es-MX" smtClean="0"/>
-              <a:t>25/11/2025</a:t>
+              <a:t>14/12/2025</a:t>
             </a:fld>
             <a:endParaRPr lang="es-MX"/>
           </a:p>
@@ -3637,7 +3638,7 @@
           <a:p>
             <a:fld id="{7E60E8F0-E53A-4538-9703-51547DDCF772}" type="datetimeFigureOut">
               <a:rPr lang="es-MX" smtClean="0"/>
-              <a:t>25/11/2025</a:t>
+              <a:t>14/12/2025</a:t>
             </a:fld>
             <a:endParaRPr lang="es-MX"/>
           </a:p>
@@ -4019,7 +4020,7 @@
           <a:p>
             <a:fld id="{7E60E8F0-E53A-4538-9703-51547DDCF772}" type="datetimeFigureOut">
               <a:rPr lang="es-MX" smtClean="0"/>
-              <a:t>25/11/2025</a:t>
+              <a:t>14/12/2025</a:t>
             </a:fld>
             <a:endParaRPr lang="es-MX"/>
           </a:p>
@@ -4168,7 +4169,7 @@
           <a:p>
             <a:fld id="{7E60E8F0-E53A-4538-9703-51547DDCF772}" type="datetimeFigureOut">
               <a:rPr lang="es-MX" smtClean="0"/>
-              <a:t>25/11/2025</a:t>
+              <a:t>14/12/2025</a:t>
             </a:fld>
             <a:endParaRPr lang="es-MX"/>
           </a:p>
@@ -4294,7 +4295,7 @@
           <a:p>
             <a:fld id="{7E60E8F0-E53A-4538-9703-51547DDCF772}" type="datetimeFigureOut">
               <a:rPr lang="es-MX" smtClean="0"/>
-              <a:t>25/11/2025</a:t>
+              <a:t>14/12/2025</a:t>
             </a:fld>
             <a:endParaRPr lang="es-MX"/>
           </a:p>
@@ -4549,7 +4550,7 @@
           <a:p>
             <a:fld id="{7E60E8F0-E53A-4538-9703-51547DDCF772}" type="datetimeFigureOut">
               <a:rPr lang="es-MX" smtClean="0"/>
-              <a:t>25/11/2025</a:t>
+              <a:t>14/12/2025</a:t>
             </a:fld>
             <a:endParaRPr lang="es-MX"/>
           </a:p>
@@ -4864,7 +4865,7 @@
           <a:p>
             <a:fld id="{7E60E8F0-E53A-4538-9703-51547DDCF772}" type="datetimeFigureOut">
               <a:rPr lang="es-MX" smtClean="0"/>
-              <a:t>25/11/2025</a:t>
+              <a:t>14/12/2025</a:t>
             </a:fld>
             <a:endParaRPr lang="es-MX"/>
           </a:p>
@@ -5108,7 +5109,7 @@
           <a:p>
             <a:fld id="{7E60E8F0-E53A-4538-9703-51547DDCF772}" type="datetimeFigureOut">
               <a:rPr lang="es-MX" smtClean="0"/>
-              <a:t>25/11/2025</a:t>
+              <a:t>14/12/2025</a:t>
             </a:fld>
             <a:endParaRPr lang="es-MX"/>
           </a:p>
@@ -5665,8 +5666,8 @@
         </p:nvSpPr>
         <p:spPr>
           <a:xfrm>
-            <a:off x="3048856" y="1446409"/>
-            <a:ext cx="6097712" cy="5016758"/>
+            <a:off x="3079680" y="1579973"/>
+            <a:ext cx="5848564" cy="5411591"/>
           </a:xfrm>
           <a:prstGeom prst="rect">
             <a:avLst/>
@@ -5730,7 +5731,14 @@
                 <a:effectLst/>
                 <a:latin typeface="Bahnschrift" panose="020B0502040204020203" pitchFamily="34" charset="0"/>
               </a:rPr>
-              <a:t>Redes De Computadoras</a:t>
+              <a:t>Estructura </a:t>
+            </a:r>
+            <a:r>
+              <a:rPr lang="es-MX" sz="1600" b="0" i="0">
+                <a:effectLst/>
+                <a:latin typeface="Bahnschrift" panose="020B0502040204020203" pitchFamily="34" charset="0"/>
+              </a:rPr>
+              <a:t>de Datos</a:t>
             </a:r>
             <a:endParaRPr lang="es-MX" sz="1600" dirty="0">
               <a:effectLst/>
@@ -5760,6 +5768,9 @@
               </a:rPr>
               <a:t>Quinto semestre </a:t>
             </a:r>
+          </a:p>
+          <a:p>
+            <a:pPr algn="ctr" rtl="0"/>
             <a:endParaRPr lang="es-MX" sz="1600" dirty="0">
               <a:effectLst/>
               <a:latin typeface="Bahnschrift" panose="020B0502040204020203" pitchFamily="34" charset="0"/>
@@ -6214,12 +6225,40 @@
           <a:chExt cx="0" cy="0"/>
         </a:xfrm>
       </p:grpSpPr>
+      <p:sp>
+        <p:nvSpPr>
+          <p:cNvPr id="2" name="Título 1">
+            <a:extLst>
+              <a:ext uri="{FF2B5EF4-FFF2-40B4-BE49-F238E27FC236}">
+                <a16:creationId xmlns:a16="http://schemas.microsoft.com/office/drawing/2014/main" id="{70A46752-80D8-CFCA-CE48-9D33BA18E2CB}"/>
+              </a:ext>
+            </a:extLst>
+          </p:cNvPr>
+          <p:cNvSpPr>
+            <a:spLocks noGrp="1"/>
+          </p:cNvSpPr>
+          <p:nvPr>
+            <p:ph type="title"/>
+          </p:nvPr>
+        </p:nvSpPr>
+        <p:spPr/>
+        <p:txBody>
+          <a:bodyPr/>
+          <a:lstStyle/>
+          <a:p>
+            <a:r>
+              <a:rPr lang="es-MX" dirty="0"/>
+              <a:t>Clase Factorial </a:t>
+            </a:r>
+          </a:p>
+        </p:txBody>
+      </p:sp>
       <p:pic>
         <p:nvPicPr>
           <p:cNvPr id="5" name="Marcador de contenido 4">
             <a:extLst>
               <a:ext uri="{FF2B5EF4-FFF2-40B4-BE49-F238E27FC236}">
-                <a16:creationId xmlns:a16="http://schemas.microsoft.com/office/drawing/2014/main" id="{DE2B8EC6-0BC4-34B7-2828-1C13C216502C}"/>
+                <a16:creationId xmlns:a16="http://schemas.microsoft.com/office/drawing/2014/main" id="{AA24556A-4D7A-30FF-78EC-14CC7AC8B5C9}"/>
               </a:ext>
             </a:extLst>
           </p:cNvPr>
@@ -6238,8 +6277,8 @@
         </p:blipFill>
         <p:spPr>
           <a:xfrm>
-            <a:off x="886327" y="1253331"/>
-            <a:ext cx="4623952" cy="4351338"/>
+            <a:off x="1047045" y="2489501"/>
+            <a:ext cx="5048955" cy="2857899"/>
           </a:xfrm>
         </p:spPr>
       </p:pic>
@@ -6248,7 +6287,7 @@
           <p:cNvPr id="6" name="Rectangle 1">
             <a:extLst>
               <a:ext uri="{FF2B5EF4-FFF2-40B4-BE49-F238E27FC236}">
-                <a16:creationId xmlns:a16="http://schemas.microsoft.com/office/drawing/2014/main" id="{AEC94A90-6AB2-B024-AB80-E23A2AF3CB74}"/>
+                <a16:creationId xmlns:a16="http://schemas.microsoft.com/office/drawing/2014/main" id="{06659D86-CCB1-A306-7CD5-88F5CBC9C6B5}"/>
               </a:ext>
             </a:extLst>
           </p:cNvPr>
@@ -6259,8 +6298,8 @@
         </p:nvSpPr>
         <p:spPr bwMode="auto">
           <a:xfrm>
-            <a:off x="627380" y="-9174499"/>
-            <a:ext cx="45719" cy="18394715"/>
+            <a:off x="6161050" y="2492963"/>
+            <a:ext cx="5212442" cy="3754874"/>
           </a:xfrm>
           <a:prstGeom prst="rect">
             <a:avLst/>
@@ -6300,140 +6339,13 @@
           </a:extLst>
         </p:spPr>
         <p:txBody>
-          <a:bodyPr vert="horz" wrap="square" lIns="101568" tIns="101568" rIns="101568" bIns="101568" numCol="1" anchor="ctr" anchorCtr="0" compatLnSpc="1">
+          <a:bodyPr vert="horz" wrap="square" lIns="91440" tIns="45720" rIns="91440" bIns="45720" numCol="1" anchor="ctr" anchorCtr="0" compatLnSpc="1">
             <a:prstTxWarp prst="textNoShape">
               <a:avLst/>
             </a:prstTxWarp>
             <a:spAutoFit/>
           </a:bodyPr>
-          <a:lstStyle>
-            <a:lvl1pPr eaLnBrk="0" fontAlgn="base" hangingPunct="0">
-              <a:spcBef>
-                <a:spcPct val="0"/>
-              </a:spcBef>
-              <a:spcAft>
-                <a:spcPct val="0"/>
-              </a:spcAft>
-              <a:defRPr>
-                <a:solidFill>
-                  <a:schemeClr val="tx1"/>
-                </a:solidFill>
-                <a:latin typeface="Arial" panose="020B0604020202020204" pitchFamily="34" charset="0"/>
-              </a:defRPr>
-            </a:lvl1pPr>
-            <a:lvl2pPr eaLnBrk="0" fontAlgn="base" hangingPunct="0">
-              <a:spcBef>
-                <a:spcPct val="0"/>
-              </a:spcBef>
-              <a:spcAft>
-                <a:spcPct val="0"/>
-              </a:spcAft>
-              <a:defRPr>
-                <a:solidFill>
-                  <a:schemeClr val="tx1"/>
-                </a:solidFill>
-                <a:latin typeface="Arial" panose="020B0604020202020204" pitchFamily="34" charset="0"/>
-              </a:defRPr>
-            </a:lvl2pPr>
-            <a:lvl3pPr eaLnBrk="0" fontAlgn="base" hangingPunct="0">
-              <a:spcBef>
-                <a:spcPct val="0"/>
-              </a:spcBef>
-              <a:spcAft>
-                <a:spcPct val="0"/>
-              </a:spcAft>
-              <a:defRPr>
-                <a:solidFill>
-                  <a:schemeClr val="tx1"/>
-                </a:solidFill>
-                <a:latin typeface="Arial" panose="020B0604020202020204" pitchFamily="34" charset="0"/>
-              </a:defRPr>
-            </a:lvl3pPr>
-            <a:lvl4pPr eaLnBrk="0" fontAlgn="base" hangingPunct="0">
-              <a:spcBef>
-                <a:spcPct val="0"/>
-              </a:spcBef>
-              <a:spcAft>
-                <a:spcPct val="0"/>
-              </a:spcAft>
-              <a:defRPr>
-                <a:solidFill>
-                  <a:schemeClr val="tx1"/>
-                </a:solidFill>
-                <a:latin typeface="Arial" panose="020B0604020202020204" pitchFamily="34" charset="0"/>
-              </a:defRPr>
-            </a:lvl4pPr>
-            <a:lvl5pPr eaLnBrk="0" fontAlgn="base" hangingPunct="0">
-              <a:spcBef>
-                <a:spcPct val="0"/>
-              </a:spcBef>
-              <a:spcAft>
-                <a:spcPct val="0"/>
-              </a:spcAft>
-              <a:defRPr>
-                <a:solidFill>
-                  <a:schemeClr val="tx1"/>
-                </a:solidFill>
-                <a:latin typeface="Arial" panose="020B0604020202020204" pitchFamily="34" charset="0"/>
-              </a:defRPr>
-            </a:lvl5pPr>
-            <a:lvl6pPr eaLnBrk="0" fontAlgn="base" hangingPunct="0">
-              <a:spcBef>
-                <a:spcPct val="0"/>
-              </a:spcBef>
-              <a:spcAft>
-                <a:spcPct val="0"/>
-              </a:spcAft>
-              <a:defRPr>
-                <a:solidFill>
-                  <a:schemeClr val="tx1"/>
-                </a:solidFill>
-                <a:latin typeface="Arial" panose="020B0604020202020204" pitchFamily="34" charset="0"/>
-              </a:defRPr>
-            </a:lvl6pPr>
-            <a:lvl7pPr eaLnBrk="0" fontAlgn="base" hangingPunct="0">
-              <a:spcBef>
-                <a:spcPct val="0"/>
-              </a:spcBef>
-              <a:spcAft>
-                <a:spcPct val="0"/>
-              </a:spcAft>
-              <a:defRPr>
-                <a:solidFill>
-                  <a:schemeClr val="tx1"/>
-                </a:solidFill>
-                <a:latin typeface="Arial" panose="020B0604020202020204" pitchFamily="34" charset="0"/>
-              </a:defRPr>
-            </a:lvl7pPr>
-            <a:lvl8pPr eaLnBrk="0" fontAlgn="base" hangingPunct="0">
-              <a:spcBef>
-                <a:spcPct val="0"/>
-              </a:spcBef>
-              <a:spcAft>
-                <a:spcPct val="0"/>
-              </a:spcAft>
-              <a:defRPr>
-                <a:solidFill>
-                  <a:schemeClr val="tx1"/>
-                </a:solidFill>
-                <a:latin typeface="Arial" panose="020B0604020202020204" pitchFamily="34" charset="0"/>
-              </a:defRPr>
-            </a:lvl8pPr>
-            <a:lvl9pPr eaLnBrk="0" fontAlgn="base" hangingPunct="0">
-              <a:spcBef>
-                <a:spcPct val="0"/>
-              </a:spcBef>
-              <a:spcAft>
-                <a:spcPct val="0"/>
-              </a:spcAft>
-              <a:defRPr>
-                <a:solidFill>
-                  <a:schemeClr val="tx1"/>
-                </a:solidFill>
-                <a:latin typeface="Arial" panose="020B0604020202020204" pitchFamily="34" charset="0"/>
-              </a:defRPr>
-            </a:lvl9pPr>
-          </a:lstStyle>
+          <a:lstStyle/>
           <a:p>
             <a:pPr marL="0" marR="0" lvl="0" indent="0" algn="l" defTabSz="914400" rtl="0" eaLnBrk="0" fontAlgn="base" latinLnBrk="0" hangingPunct="0">
               <a:lnSpc>
@@ -6451,19 +6363,79 @@
               <a:buNone/>
               <a:tabLst/>
             </a:pPr>
-            <a:endParaRPr kumimoji="0" lang="es-MX" altLang="es-MX" sz="1800" b="0" i="0" u="none" strike="noStrike" cap="none" normalizeH="0" baseline="0">
-              <a:ln>
-                <a:noFill/>
-              </a:ln>
-              <a:solidFill>
-                <a:schemeClr val="tx1"/>
-              </a:solidFill>
-              <a:effectLst/>
-              <a:latin typeface="Arial" panose="020B0604020202020204" pitchFamily="34" charset="0"/>
-            </a:endParaRPr>
+            <a:r>
+              <a:rPr lang="es-MX" altLang="es-MX" sz="2000" dirty="0"/>
+              <a:t>La clase Factorial se encarga únicamente de calcular el factorial de un número utilizando recursividad.</a:t>
+            </a:r>
           </a:p>
           <a:p>
             <a:pPr marL="0" marR="0" lvl="0" indent="0" algn="l" defTabSz="914400" rtl="0" eaLnBrk="0" fontAlgn="base" latinLnBrk="0" hangingPunct="0">
+              <a:lnSpc>
+                <a:spcPct val="100000"/>
+              </a:lnSpc>
+              <a:spcBef>
+                <a:spcPct val="0"/>
+              </a:spcBef>
+              <a:spcAft>
+                <a:spcPct val="0"/>
+              </a:spcAft>
+              <a:buClrTx/>
+              <a:buSzTx/>
+              <a:buFontTx/>
+              <a:buNone/>
+              <a:tabLst/>
+            </a:pPr>
+            <a:r>
+              <a:rPr lang="es-MX" altLang="es-MX" sz="2000" dirty="0"/>
+              <a:t>¿Cómo funciona?</a:t>
+            </a:r>
+          </a:p>
+          <a:p>
+            <a:pPr marL="0" marR="0" lvl="0" indent="0" algn="l" defTabSz="914400" rtl="0" eaLnBrk="0" fontAlgn="base" latinLnBrk="0" hangingPunct="0">
+              <a:lnSpc>
+                <a:spcPct val="100000"/>
+              </a:lnSpc>
+              <a:spcBef>
+                <a:spcPct val="0"/>
+              </a:spcBef>
+              <a:spcAft>
+                <a:spcPct val="0"/>
+              </a:spcAft>
+              <a:buClrTx/>
+              <a:buSzTx/>
+              <a:buFontTx/>
+              <a:buAutoNum type="arabicPeriod"/>
+              <a:tabLst/>
+            </a:pPr>
+            <a:r>
+              <a:rPr lang="es-MX" altLang="es-MX" sz="2000" dirty="0"/>
+              <a:t>Recibe un número entero.</a:t>
+            </a:r>
+          </a:p>
+          <a:p>
+            <a:pPr marL="0" marR="0" lvl="0" indent="0" algn="l" defTabSz="914400" rtl="0" eaLnBrk="0" fontAlgn="base" latinLnBrk="0" hangingPunct="0">
+              <a:lnSpc>
+                <a:spcPct val="100000"/>
+              </a:lnSpc>
+              <a:spcBef>
+                <a:spcPct val="0"/>
+              </a:spcBef>
+              <a:spcAft>
+                <a:spcPct val="0"/>
+              </a:spcAft>
+              <a:buClrTx/>
+              <a:buSzTx/>
+              <a:buFontTx/>
+              <a:buAutoNum type="arabicPeriod" startAt="2"/>
+              <a:tabLst/>
+            </a:pPr>
+            <a:r>
+              <a:rPr lang="es-MX" altLang="es-MX" sz="2000" dirty="0"/>
+              <a:t>Verifica el caso base:</a:t>
+            </a:r>
+          </a:p>
+          <a:p>
+            <a:pPr marL="457200" marR="0" lvl="1" indent="0" algn="l" defTabSz="914400" rtl="0" eaLnBrk="0" fontAlgn="base" latinLnBrk="0" hangingPunct="0">
               <a:lnSpc>
                 <a:spcPct val="100000"/>
               </a:lnSpc>
@@ -6480,156 +6452,10 @@
               <a:tabLst/>
             </a:pPr>
             <a:r>
-              <a:rPr kumimoji="0" lang="es-MX" altLang="es-MX" sz="1200" b="0" i="0" u="none" strike="noStrike" cap="none" normalizeH="0" baseline="0">
-                <a:ln>
-                  <a:noFill/>
-                </a:ln>
-                <a:solidFill>
-                  <a:srgbClr val="E3E3E3"/>
-                </a:solidFill>
-                <a:effectLst/>
-                <a:latin typeface="Google Sans Flex"/>
-                <a:cs typeface="Times New Roman" panose="02020603050405020304" pitchFamily="18" charset="0"/>
-              </a:rPr>
-              <a:t>¡Claro! Con gusto te explico esta parte del código Java, que parece ser un controlador para una aplicación </a:t>
-            </a:r>
-            <a:r>
-              <a:rPr kumimoji="0" lang="es-MX" altLang="es-MX" sz="1200" b="1" i="0" u="none" strike="noStrike" cap="none" normalizeH="0" baseline="0">
-                <a:ln>
-                  <a:noFill/>
-                </a:ln>
-                <a:solidFill>
-                  <a:srgbClr val="E3E3E3"/>
-                </a:solidFill>
-                <a:effectLst/>
-                <a:latin typeface="Google Sans Flex"/>
-                <a:cs typeface="Times New Roman" panose="02020603050405020304" pitchFamily="18" charset="0"/>
-              </a:rPr>
-              <a:t>JavaFX</a:t>
-            </a:r>
-            <a:r>
-              <a:rPr kumimoji="0" lang="es-MX" altLang="es-MX" sz="1200" b="0" i="0" u="none" strike="noStrike" cap="none" normalizeH="0" baseline="0">
-                <a:ln>
-                  <a:noFill/>
-                </a:ln>
-                <a:solidFill>
-                  <a:srgbClr val="E3E3E3"/>
-                </a:solidFill>
-                <a:effectLst/>
-                <a:latin typeface="Google Sans Flex"/>
-                <a:cs typeface="Times New Roman" panose="02020603050405020304" pitchFamily="18" charset="0"/>
-              </a:rPr>
-              <a:t>.</a:t>
-            </a:r>
-            <a:endParaRPr kumimoji="0" lang="es-MX" altLang="es-MX" sz="1800" b="0" i="0" u="none" strike="noStrike" cap="none" normalizeH="0" baseline="0">
-              <a:ln>
-                <a:noFill/>
-              </a:ln>
-              <a:solidFill>
-                <a:schemeClr val="tx1"/>
-              </a:solidFill>
-              <a:effectLst/>
-              <a:latin typeface="Arial" panose="020B0604020202020204" pitchFamily="34" charset="0"/>
-            </a:endParaRPr>
-          </a:p>
-        </p:txBody>
-      </p:sp>
-      <p:sp>
-        <p:nvSpPr>
-          <p:cNvPr id="7" name="Rectangle 2">
-            <a:extLst>
-              <a:ext uri="{FF2B5EF4-FFF2-40B4-BE49-F238E27FC236}">
-                <a16:creationId xmlns:a16="http://schemas.microsoft.com/office/drawing/2014/main" id="{92A97BCA-3E74-18B6-C5DF-485329C5206D}"/>
-              </a:ext>
-            </a:extLst>
-          </p:cNvPr>
-          <p:cNvSpPr>
-            <a:spLocks noChangeArrowheads="1"/>
-          </p:cNvSpPr>
-          <p:nvPr/>
-        </p:nvSpPr>
-        <p:spPr bwMode="auto">
-          <a:xfrm>
-            <a:off x="11414588" y="0"/>
-            <a:ext cx="777411" cy="206716"/>
-          </a:xfrm>
-          <a:prstGeom prst="rect">
-            <a:avLst/>
-          </a:prstGeom>
-          <a:solidFill>
-            <a:srgbClr val="000000"/>
-          </a:solidFill>
-          <a:ln w="9525">
-            <a:solidFill>
-              <a:schemeClr val="tx1"/>
-            </a:solidFill>
-            <a:prstDash val="solid"/>
-            <a:miter lim="800000"/>
-            <a:headEnd/>
-            <a:tailEnd/>
-          </a:ln>
-          <a:effectLst/>
-          <a:extLst>
-            <a:ext uri="{AF507438-7753-43E0-B8FC-AC1667EBCBE1}">
-              <a14:hiddenEffects xmlns:a14="http://schemas.microsoft.com/office/drawing/2010/main">
-                <a:effectLst>
-                  <a:outerShdw dist="35921" dir="2700000" algn="ctr" rotWithShape="0">
-                    <a:schemeClr val="bg2"/>
-                  </a:outerShdw>
-                </a:effectLst>
-              </a14:hiddenEffects>
-            </a:ext>
-          </a:extLst>
-        </p:spPr>
-        <p:txBody>
-          <a:bodyPr vert="horz" wrap="square" lIns="91440" tIns="45720" rIns="91440" bIns="45720" numCol="1" anchor="ctr" anchorCtr="0" compatLnSpc="1">
-            <a:prstTxWarp prst="textNoShape">
-              <a:avLst/>
-            </a:prstTxWarp>
-            <a:spAutoFit/>
-          </a:bodyPr>
-          <a:lstStyle/>
-          <a:p>
-            <a:endParaRPr lang="es-MX"/>
-          </a:p>
-        </p:txBody>
-      </p:sp>
-      <p:sp>
-        <p:nvSpPr>
-          <p:cNvPr id="8" name="Rectangle 3">
-            <a:extLst>
-              <a:ext uri="{FF2B5EF4-FFF2-40B4-BE49-F238E27FC236}">
-                <a16:creationId xmlns:a16="http://schemas.microsoft.com/office/drawing/2014/main" id="{FC1AE4D4-A7CE-918A-5A4B-C684D10B5646}"/>
-              </a:ext>
-            </a:extLst>
-          </p:cNvPr>
-          <p:cNvSpPr>
-            <a:spLocks noChangeArrowheads="1"/>
-          </p:cNvSpPr>
-          <p:nvPr/>
-        </p:nvSpPr>
-        <p:spPr bwMode="auto">
-          <a:xfrm>
-            <a:off x="5677788" y="2045786"/>
-            <a:ext cx="5485599" cy="3477827"/>
-          </a:xfrm>
-          <a:prstGeom prst="rect">
-            <a:avLst/>
-          </a:prstGeom>
-          <a:noFill/>
-          <a:ln>
-            <a:noFill/>
-          </a:ln>
-          <a:effectLst/>
-        </p:spPr>
-        <p:txBody>
-          <a:bodyPr vert="horz" wrap="square" lIns="0" tIns="50784" rIns="0" bIns="101568" numCol="1" anchor="ctr" anchorCtr="0" compatLnSpc="1">
-            <a:prstTxWarp prst="textNoShape">
-              <a:avLst/>
-            </a:prstTxWarp>
-            <a:spAutoFit/>
-          </a:bodyPr>
-          <a:lstStyle/>
+              <a:rPr lang="es-MX" altLang="es-MX" sz="2000" dirty="0"/>
+              <a:t>Si el número es 0, regresa 1.</a:t>
+            </a:r>
+          </a:p>
           <a:p>
             <a:pPr marL="0" marR="0" lvl="0" indent="0" algn="l" defTabSz="914400" rtl="0" eaLnBrk="0" fontAlgn="base" latinLnBrk="0" hangingPunct="0">
               <a:lnSpc>
@@ -6644,143 +6470,16 @@
               <a:buClrTx/>
               <a:buSzTx/>
               <a:buFontTx/>
-              <a:buNone/>
+              <a:buAutoNum type="arabicPeriod" startAt="3"/>
               <a:tabLst/>
             </a:pPr>
             <a:r>
-              <a:rPr lang="es-MX" altLang="es-MX" b="1" dirty="0"/>
-              <a:t>La Función factorial(</a:t>
-            </a:r>
-            <a:r>
-              <a:rPr lang="es-MX" altLang="es-MX" b="1" dirty="0" err="1"/>
-              <a:t>int</a:t>
-            </a:r>
-            <a:r>
-              <a:rPr lang="es-MX" altLang="es-MX" b="1" dirty="0"/>
-              <a:t> n)</a:t>
-            </a:r>
-          </a:p>
-          <a:p>
-            <a:pPr marL="0" marR="0" lvl="0" indent="0" algn="l" defTabSz="914400" rtl="0" eaLnBrk="0" fontAlgn="base" latinLnBrk="0" hangingPunct="0">
-              <a:lnSpc>
-                <a:spcPct val="100000"/>
-              </a:lnSpc>
-              <a:spcBef>
-                <a:spcPct val="0"/>
-              </a:spcBef>
-              <a:spcAft>
-                <a:spcPct val="0"/>
-              </a:spcAft>
-              <a:buClrTx/>
-              <a:buSzTx/>
-              <a:buFontTx/>
-              <a:buNone/>
-              <a:tabLst/>
-            </a:pPr>
-            <a:r>
-              <a:rPr lang="es-MX" altLang="es-MX" dirty="0"/>
-              <a:t>La parte más importante es el método factorial, el cual calcula el factorial de un número entero n.</a:t>
-            </a:r>
-          </a:p>
-          <a:p>
-            <a:pPr marL="0" marR="0" lvl="0" indent="0" algn="l" defTabSz="914400" rtl="0" eaLnBrk="0" fontAlgn="base" latinLnBrk="0" hangingPunct="0">
-              <a:lnSpc>
-                <a:spcPct val="100000"/>
-              </a:lnSpc>
-              <a:spcBef>
-                <a:spcPct val="0"/>
-              </a:spcBef>
-              <a:spcAft>
-                <a:spcPct val="0"/>
-              </a:spcAft>
-              <a:buClrTx/>
-              <a:buSzTx/>
-              <a:buFontTx/>
-              <a:buNone/>
-              <a:tabLst/>
-            </a:pPr>
-            <a:r>
-              <a:rPr lang="es-MX" altLang="es-MX" dirty="0" err="1"/>
-              <a:t>public</a:t>
-            </a:r>
-            <a:r>
-              <a:rPr lang="es-MX" altLang="es-MX" dirty="0"/>
-              <a:t> </a:t>
-            </a:r>
-            <a:r>
-              <a:rPr lang="es-MX" altLang="es-MX" dirty="0" err="1"/>
-              <a:t>long</a:t>
-            </a:r>
-            <a:r>
-              <a:rPr lang="es-MX" altLang="es-MX" dirty="0"/>
-              <a:t> factorial(</a:t>
-            </a:r>
-            <a:r>
-              <a:rPr lang="es-MX" altLang="es-MX" dirty="0" err="1"/>
-              <a:t>int</a:t>
-            </a:r>
-            <a:r>
-              <a:rPr lang="es-MX" altLang="es-MX" dirty="0"/>
-              <a:t> n) { ... }</a:t>
-            </a:r>
-          </a:p>
-          <a:p>
-            <a:pPr marL="0" marR="0" lvl="0" indent="0" algn="l" defTabSz="914400" rtl="0" eaLnBrk="0" fontAlgn="base" latinLnBrk="0" hangingPunct="0">
-              <a:lnSpc>
-                <a:spcPct val="100000"/>
-              </a:lnSpc>
-              <a:spcBef>
-                <a:spcPct val="0"/>
-              </a:spcBef>
-              <a:spcAft>
-                <a:spcPct val="0"/>
-              </a:spcAft>
-              <a:buClrTx/>
-              <a:buSzTx/>
-              <a:buFontTx/>
-              <a:buNone/>
-              <a:tabLst/>
-            </a:pPr>
-            <a:endParaRPr lang="es-MX" altLang="es-MX" dirty="0"/>
-          </a:p>
-          <a:p>
-            <a:pPr marL="0" marR="0" lvl="0" indent="0" algn="l" defTabSz="914400" rtl="0" eaLnBrk="0" fontAlgn="base" latinLnBrk="0" hangingPunct="0">
-              <a:lnSpc>
-                <a:spcPct val="100000"/>
-              </a:lnSpc>
-              <a:spcBef>
-                <a:spcPct val="0"/>
-              </a:spcBef>
-              <a:spcAft>
-                <a:spcPct val="0"/>
-              </a:spcAft>
-              <a:buClrTx/>
-              <a:buSzTx/>
-              <a:tabLst/>
-            </a:pPr>
-            <a:r>
-              <a:rPr lang="es-MX" altLang="es-MX" dirty="0"/>
-              <a:t>Es un método público que acepta un argumento entero (</a:t>
-            </a:r>
-            <a:r>
-              <a:rPr lang="es-MX" altLang="es-MX" dirty="0" err="1"/>
-              <a:t>int</a:t>
-            </a:r>
-            <a:r>
-              <a:rPr lang="es-MX" altLang="es-MX" dirty="0"/>
-              <a:t> n) y devuelve un número entero largo (</a:t>
-            </a:r>
-            <a:r>
-              <a:rPr lang="es-MX" altLang="es-MX" dirty="0" err="1"/>
-              <a:t>long</a:t>
-            </a:r>
-            <a:r>
-              <a:rPr lang="es-MX" altLang="es-MX" dirty="0"/>
-              <a:t>) para evitar desbordamiento si el factorial es grande.</a:t>
-            </a:r>
-          </a:p>
-          <a:p>
-            <a:pPr marL="0" marR="0" lvl="0" indent="0" algn="l" defTabSz="914400" rtl="0" eaLnBrk="0" fontAlgn="base" latinLnBrk="0" hangingPunct="0">
+              <a:rPr lang="es-MX" altLang="es-MX" sz="2000" dirty="0"/>
+              <a:t>Si no es el caso base:</a:t>
+            </a:r>
+          </a:p>
+          <a:p>
+            <a:pPr marL="457200" marR="0" lvl="1" indent="0" algn="l" defTabSz="914400" rtl="0" eaLnBrk="0" fontAlgn="base" latinLnBrk="0" hangingPunct="0">
               <a:lnSpc>
                 <a:spcPct val="100000"/>
               </a:lnSpc>
@@ -6796,26 +6495,9 @@
               <a:buChar char="•"/>
               <a:tabLst/>
             </a:pPr>
-            <a:endParaRPr lang="es-MX" altLang="es-MX" dirty="0"/>
-          </a:p>
-          <a:p>
-            <a:pPr marL="0" marR="0" lvl="0" indent="0" algn="l" defTabSz="914400" rtl="0" eaLnBrk="0" fontAlgn="base" latinLnBrk="0" hangingPunct="0">
-              <a:lnSpc>
-                <a:spcPct val="100000"/>
-              </a:lnSpc>
-              <a:spcBef>
-                <a:spcPct val="0"/>
-              </a:spcBef>
-              <a:spcAft>
-                <a:spcPct val="0"/>
-              </a:spcAft>
-              <a:buClrTx/>
-              <a:buSzTx/>
-              <a:tabLst/>
-            </a:pPr>
-            <a:r>
-              <a:rPr lang="es-MX" altLang="es-MX" dirty="0"/>
-              <a:t>Utiliza un enfoque llamado recursión (la función se llama a sí misma) para realizar el cálculo.</a:t>
+            <a:r>
+              <a:rPr lang="es-MX" altLang="es-MX" sz="2000" dirty="0"/>
+              <a:t>Se llama a sí misma restando 1 al número.</a:t>
             </a:r>
           </a:p>
           <a:p>
@@ -6832,52 +6514,39 @@
               <a:buClrTx/>
               <a:buSzTx/>
               <a:buFontTx/>
-              <a:buNone/>
+              <a:buAutoNum type="arabicPeriod" startAt="4"/>
               <a:tabLst/>
             </a:pPr>
-            <a:endParaRPr lang="es-MX" altLang="es-MX" dirty="0"/>
-          </a:p>
-        </p:txBody>
-      </p:sp>
-      <p:sp>
-        <p:nvSpPr>
-          <p:cNvPr id="9" name="CuadroTexto 8">
-            <a:extLst>
-              <a:ext uri="{FF2B5EF4-FFF2-40B4-BE49-F238E27FC236}">
-                <a16:creationId xmlns:a16="http://schemas.microsoft.com/office/drawing/2014/main" id="{1418A83F-A58B-911B-0725-471620602F91}"/>
-              </a:ext>
-            </a:extLst>
-          </p:cNvPr>
-          <p:cNvSpPr txBox="1"/>
-          <p:nvPr/>
-        </p:nvSpPr>
-        <p:spPr>
-          <a:xfrm>
-            <a:off x="5510279" y="545445"/>
-            <a:ext cx="3394293" cy="1323439"/>
-          </a:xfrm>
-          <a:prstGeom prst="rect">
-            <a:avLst/>
-          </a:prstGeom>
-          <a:noFill/>
-        </p:spPr>
-        <p:txBody>
-          <a:bodyPr wrap="square" rtlCol="0">
-            <a:spAutoFit/>
-          </a:bodyPr>
-          <a:lstStyle/>
-          <a:p>
-            <a:r>
-              <a:rPr lang="es-MX" sz="4000" dirty="0"/>
-              <a:t>Recursividad Parte 1</a:t>
-            </a:r>
+            <a:r>
+              <a:rPr lang="es-MX" altLang="es-MX" sz="2000" dirty="0"/>
+              <a:t>Multiplica el número actual por el resultado de la llamada recursiva.</a:t>
+            </a:r>
+          </a:p>
+          <a:p>
+            <a:pPr marL="0" marR="0" lvl="0" indent="0" algn="l" defTabSz="914400" rtl="0" eaLnBrk="0" fontAlgn="base" latinLnBrk="0" hangingPunct="0">
+              <a:lnSpc>
+                <a:spcPct val="100000"/>
+              </a:lnSpc>
+              <a:spcBef>
+                <a:spcPct val="0"/>
+              </a:spcBef>
+              <a:spcAft>
+                <a:spcPct val="0"/>
+              </a:spcAft>
+              <a:buClrTx/>
+              <a:buSzTx/>
+              <a:buFontTx/>
+              <a:buNone/>
+              <a:tabLst/>
+            </a:pPr>
+            <a:endParaRPr lang="es-MX" altLang="es-MX" sz="2000" dirty="0"/>
           </a:p>
         </p:txBody>
       </p:sp>
     </p:spTree>
     <p:extLst>
       <p:ext uri="{BB962C8B-B14F-4D97-AF65-F5344CB8AC3E}">
-        <p14:creationId xmlns:p14="http://schemas.microsoft.com/office/powerpoint/2010/main" val="1995974339"/>
+        <p14:creationId xmlns:p14="http://schemas.microsoft.com/office/powerpoint/2010/main" val="2705600816"/>
       </p:ext>
     </p:extLst>
   </p:cSld>
@@ -6909,7 +6578,7 @@
           <p:cNvPr id="2" name="Título 1">
             <a:extLst>
               <a:ext uri="{FF2B5EF4-FFF2-40B4-BE49-F238E27FC236}">
-                <a16:creationId xmlns:a16="http://schemas.microsoft.com/office/drawing/2014/main" id="{DDB1AA8D-71EF-7694-D529-3AE41BC6A968}"/>
+                <a16:creationId xmlns:a16="http://schemas.microsoft.com/office/drawing/2014/main" id="{17348501-DC60-B5CC-5F29-2100823D22A1}"/>
               </a:ext>
             </a:extLst>
           </p:cNvPr>
@@ -6920,22 +6589,20 @@
             <p:ph type="title"/>
           </p:nvPr>
         </p:nvSpPr>
-        <p:spPr>
-          <a:xfrm>
-            <a:off x="5009808" y="0"/>
-            <a:ext cx="1865614" cy="631860"/>
-          </a:xfrm>
-        </p:spPr>
-        <p:txBody>
-          <a:bodyPr>
-            <a:normAutofit fontScale="90000"/>
-          </a:bodyPr>
+        <p:spPr/>
+        <p:txBody>
+          <a:bodyPr/>
           <a:lstStyle/>
           <a:p>
             <a:r>
               <a:rPr lang="es-MX" dirty="0"/>
-              <a:t>Parte 2</a:t>
-            </a:r>
+              <a:t>Clase </a:t>
+            </a:r>
+            <a:r>
+              <a:rPr lang="es-MX" dirty="0" err="1"/>
+              <a:t>fibonacci</a:t>
+            </a:r>
+            <a:endParaRPr lang="es-MX" dirty="0"/>
           </a:p>
         </p:txBody>
       </p:sp>
@@ -6944,7 +6611,7 @@
           <p:cNvPr id="5" name="Marcador de contenido 4">
             <a:extLst>
               <a:ext uri="{FF2B5EF4-FFF2-40B4-BE49-F238E27FC236}">
-                <a16:creationId xmlns:a16="http://schemas.microsoft.com/office/drawing/2014/main" id="{540F4DB4-8B36-4B82-7D87-CA30E501EA5A}"/>
+                <a16:creationId xmlns:a16="http://schemas.microsoft.com/office/drawing/2014/main" id="{72C53735-A73F-CD8C-A463-C365D11C6052}"/>
               </a:ext>
             </a:extLst>
           </p:cNvPr>
@@ -6963,17 +6630,17 @@
         </p:blipFill>
         <p:spPr>
           <a:xfrm>
-            <a:off x="55824" y="37627"/>
-            <a:ext cx="4953983" cy="3391373"/>
+            <a:off x="818508" y="2575158"/>
+            <a:ext cx="4735550" cy="3300710"/>
           </a:xfrm>
         </p:spPr>
       </p:pic>
       <p:sp>
         <p:nvSpPr>
-          <p:cNvPr id="6" name="Rectangle 1">
+          <p:cNvPr id="7" name="Rectangle 2">
             <a:extLst>
               <a:ext uri="{FF2B5EF4-FFF2-40B4-BE49-F238E27FC236}">
-                <a16:creationId xmlns:a16="http://schemas.microsoft.com/office/drawing/2014/main" id="{5D7861CA-4FB0-6C03-E903-A67908E1883C}"/>
+                <a16:creationId xmlns:a16="http://schemas.microsoft.com/office/drawing/2014/main" id="{1602C42C-0898-B1F3-EF1F-C22E616D2A16}"/>
               </a:ext>
             </a:extLst>
           </p:cNvPr>
@@ -6984,8 +6651,8 @@
         </p:nvSpPr>
         <p:spPr bwMode="auto">
           <a:xfrm>
-            <a:off x="5097819" y="850811"/>
-            <a:ext cx="6604445" cy="1477328"/>
+            <a:off x="5804899" y="2650653"/>
+            <a:ext cx="5845995" cy="3416320"/>
           </a:xfrm>
           <a:prstGeom prst="rect">
             <a:avLst/>
@@ -7046,16 +6713,60 @@
               <a:buClrTx/>
               <a:buSzTx/>
               <a:buFontTx/>
-              <a:buChar char="•"/>
+              <a:buNone/>
               <a:tabLst/>
             </a:pPr>
             <a:r>
               <a:rPr lang="es-MX" altLang="es-MX" dirty="0"/>
-              <a:t>try { ... }: Contiene el código que se debe intentar ejecutar. Si todo va bien, se ejecuta este bloque.</a:t>
+              <a:t>La clase Fibonacci calcula un número de la serie de Fibonacci usando recursividad.</a:t>
             </a:r>
           </a:p>
           <a:p>
             <a:pPr marL="0" marR="0" lvl="0" indent="0" algn="l" defTabSz="914400" rtl="0" eaLnBrk="0" fontAlgn="base" latinLnBrk="0" hangingPunct="0">
+              <a:lnSpc>
+                <a:spcPct val="100000"/>
+              </a:lnSpc>
+              <a:spcBef>
+                <a:spcPct val="0"/>
+              </a:spcBef>
+              <a:spcAft>
+                <a:spcPct val="0"/>
+              </a:spcAft>
+              <a:buClrTx/>
+              <a:buSzTx/>
+              <a:buFontTx/>
+              <a:buAutoNum type="arabicPeriod"/>
+              <a:tabLst/>
+            </a:pPr>
+            <a:r>
+              <a:rPr lang="es-MX" altLang="es-MX" dirty="0"/>
+              <a:t>Recibe una posición n.</a:t>
+            </a:r>
+          </a:p>
+          <a:p>
+            <a:pPr marL="0" marR="0" lvl="0" indent="0" algn="l" defTabSz="914400" rtl="0" eaLnBrk="0" fontAlgn="base" latinLnBrk="0" hangingPunct="0">
+              <a:lnSpc>
+                <a:spcPct val="100000"/>
+              </a:lnSpc>
+              <a:spcBef>
+                <a:spcPct val="0"/>
+              </a:spcBef>
+              <a:spcAft>
+                <a:spcPct val="0"/>
+              </a:spcAft>
+              <a:buClrTx/>
+              <a:buSzTx/>
+              <a:buFontTx/>
+              <a:buAutoNum type="arabicPeriod" startAt="2"/>
+              <a:tabLst/>
+            </a:pPr>
+            <a:r>
+              <a:rPr lang="es-MX" altLang="es-MX" dirty="0"/>
+              <a:t>Verifica los casos base:</a:t>
+            </a:r>
+          </a:p>
+          <a:p>
+            <a:pPr marL="457200" marR="0" lvl="1" indent="0" algn="l" defTabSz="914400" rtl="0" eaLnBrk="0" fontAlgn="base" latinLnBrk="0" hangingPunct="0">
               <a:lnSpc>
                 <a:spcPct val="100000"/>
               </a:lnSpc>
@@ -7073,93 +6784,11 @@
             </a:pPr>
             <a:r>
               <a:rPr lang="es-MX" altLang="es-MX" dirty="0"/>
-              <a:t>catch (</a:t>
-            </a:r>
-            <a:r>
-              <a:rPr lang="es-MX" altLang="es-MX" dirty="0" err="1"/>
-              <a:t>NumberFormatException</a:t>
-            </a:r>
-            <a:r>
-              <a:rPr lang="es-MX" altLang="es-MX" dirty="0"/>
-              <a:t> e) { ... }: Contiene el código que se ejecuta solo si ocurre un error específico dentro del bloque try. En este caso, el error que se maneja es el </a:t>
-            </a:r>
-            <a:r>
-              <a:rPr lang="es-MX" altLang="es-MX" dirty="0" err="1"/>
-              <a:t>NumberFormatException</a:t>
-            </a:r>
-            <a:r>
-              <a:rPr lang="es-MX" altLang="es-MX" dirty="0"/>
-              <a:t>.</a:t>
-            </a:r>
-          </a:p>
-        </p:txBody>
-      </p:sp>
-      <p:sp>
-        <p:nvSpPr>
-          <p:cNvPr id="7" name="Rectangle 2">
-            <a:extLst>
-              <a:ext uri="{FF2B5EF4-FFF2-40B4-BE49-F238E27FC236}">
-                <a16:creationId xmlns:a16="http://schemas.microsoft.com/office/drawing/2014/main" id="{202D383C-43D3-B809-E15C-F5709D13CA6C}"/>
-              </a:ext>
-            </a:extLst>
-          </p:cNvPr>
-          <p:cNvSpPr>
-            <a:spLocks noChangeArrowheads="1"/>
-          </p:cNvSpPr>
-          <p:nvPr/>
-        </p:nvSpPr>
-        <p:spPr bwMode="auto">
-          <a:xfrm>
-            <a:off x="579144" y="3429000"/>
-            <a:ext cx="11123121" cy="1477328"/>
-          </a:xfrm>
-          <a:prstGeom prst="rect">
-            <a:avLst/>
-          </a:prstGeom>
-          <a:noFill/>
-          <a:ln>
-            <a:noFill/>
-          </a:ln>
-          <a:effectLst/>
-          <a:extLst>
-            <a:ext uri="{909E8E84-426E-40DD-AFC4-6F175D3DCCD1}">
-              <a14:hiddenFill xmlns:a14="http://schemas.microsoft.com/office/drawing/2010/main">
-                <a:solidFill>
-                  <a:schemeClr val="accent1"/>
-                </a:solidFill>
-              </a14:hiddenFill>
-            </a:ext>
-            <a:ext uri="{91240B29-F687-4F45-9708-019B960494DF}">
-              <a14:hiddenLine xmlns:a14="http://schemas.microsoft.com/office/drawing/2010/main" w="9525">
-                <a:solidFill>
-                  <a:schemeClr val="tx1"/>
-                </a:solidFill>
-                <a:miter lim="800000"/>
-                <a:headEnd/>
-                <a:tailEnd/>
-              </a14:hiddenLine>
-            </a:ext>
-            <a:ext uri="{AF507438-7753-43E0-B8FC-AC1667EBCBE1}">
-              <a14:hiddenEffects xmlns:a14="http://schemas.microsoft.com/office/drawing/2010/main">
-                <a:effectLst>
-                  <a:outerShdw dist="35921" dir="2700000" algn="ctr" rotWithShape="0">
-                    <a:schemeClr val="bg2"/>
-                  </a:outerShdw>
-                </a:effectLst>
-              </a14:hiddenEffects>
-            </a:ext>
-          </a:extLst>
-        </p:spPr>
-        <p:txBody>
-          <a:bodyPr vert="horz" wrap="square" lIns="91440" tIns="45720" rIns="91440" bIns="45720" numCol="1" anchor="ctr" anchorCtr="0" compatLnSpc="1">
-            <a:prstTxWarp prst="textNoShape">
-              <a:avLst/>
-            </a:prstTxWarp>
-            <a:spAutoFit/>
-          </a:bodyPr>
-          <a:lstStyle/>
-          <a:p>
-            <a:pPr marL="0" marR="0" lvl="0" indent="0" algn="l" defTabSz="914400" rtl="0" eaLnBrk="0" fontAlgn="base" latinLnBrk="0" hangingPunct="0">
+              <a:t>Si n es 0, regresa 0.</a:t>
+            </a:r>
+          </a:p>
+          <a:p>
+            <a:pPr marL="457200" marR="0" lvl="1" indent="0" algn="l" defTabSz="914400" rtl="0" eaLnBrk="0" fontAlgn="base" latinLnBrk="0" hangingPunct="0">
               <a:lnSpc>
                 <a:spcPct val="100000"/>
               </a:lnSpc>
@@ -7176,16 +6805,34 @@
               <a:tabLst/>
             </a:pPr>
             <a:r>
-              <a:rPr lang="es-MX" altLang="es-MX" dirty="0" err="1"/>
-              <a:t>inputNumber.getText</a:t>
-            </a:r>
-            <a:r>
               <a:rPr lang="es-MX" altLang="es-MX" dirty="0"/>
-              <a:t>(): Obtiene el texto (lo que escribió el usuario) del campo de texto de la interfaz.</a:t>
+              <a:t>Si n es 1, regresa 1.</a:t>
             </a:r>
           </a:p>
           <a:p>
             <a:pPr marL="0" marR="0" lvl="0" indent="0" algn="l" defTabSz="914400" rtl="0" eaLnBrk="0" fontAlgn="base" latinLnBrk="0" hangingPunct="0">
+              <a:lnSpc>
+                <a:spcPct val="100000"/>
+              </a:lnSpc>
+              <a:spcBef>
+                <a:spcPct val="0"/>
+              </a:spcBef>
+              <a:spcAft>
+                <a:spcPct val="0"/>
+              </a:spcAft>
+              <a:buClrTx/>
+              <a:buSzTx/>
+              <a:buFontTx/>
+              <a:buAutoNum type="arabicPeriod" startAt="3"/>
+              <a:tabLst/>
+            </a:pPr>
+            <a:r>
+              <a:rPr lang="es-MX" altLang="es-MX" dirty="0"/>
+              <a:t>Para otros valores:</a:t>
+            </a:r>
+          </a:p>
+          <a:p>
+            <a:pPr marL="457200" marR="0" lvl="1" indent="0" algn="l" defTabSz="914400" rtl="0" eaLnBrk="0" fontAlgn="base" latinLnBrk="0" hangingPunct="0">
               <a:lnSpc>
                 <a:spcPct val="100000"/>
               </a:lnSpc>
@@ -7201,10 +6848,13 @@
               <a:buChar char="•"/>
               <a:tabLst/>
             </a:pPr>
-            <a:endParaRPr lang="es-MX" altLang="es-MX" dirty="0"/>
-          </a:p>
-          <a:p>
-            <a:pPr marL="0" marR="0" lvl="0" indent="0" algn="l" defTabSz="914400" rtl="0" eaLnBrk="0" fontAlgn="base" latinLnBrk="0" hangingPunct="0">
+            <a:r>
+              <a:rPr lang="es-MX" altLang="es-MX" dirty="0"/>
+              <a:t>Se llama a sí misma dos veces:</a:t>
+            </a:r>
+          </a:p>
+          <a:p>
+            <a:pPr marL="914400" marR="0" lvl="2" indent="0" algn="l" defTabSz="914400" rtl="0" eaLnBrk="0" fontAlgn="base" latinLnBrk="0" hangingPunct="0">
               <a:lnSpc>
                 <a:spcPct val="100000"/>
               </a:lnSpc>
@@ -7222,223 +6872,15 @@
             </a:pPr>
             <a:r>
               <a:rPr lang="es-MX" altLang="es-MX" dirty="0" err="1"/>
-              <a:t>Integer.parseInt</a:t>
+              <a:t>fibonacci</a:t>
             </a:r>
             <a:r>
               <a:rPr lang="es-MX" altLang="es-MX" dirty="0"/>
-              <a:t>(...): Intenta convertir esa cadena de texto en un número entero (</a:t>
-            </a:r>
-            <a:r>
-              <a:rPr lang="es-MX" altLang="es-MX" dirty="0" err="1"/>
-              <a:t>int</a:t>
-            </a:r>
-            <a:r>
-              <a:rPr lang="es-MX" altLang="es-MX" dirty="0"/>
-              <a:t>). Si el usuario ingresó algo que no es un número (como "hola" o "5.5"), aquí es donde ocurrirá el </a:t>
-            </a:r>
-            <a:r>
-              <a:rPr lang="es-MX" altLang="es-MX" dirty="0" err="1"/>
-              <a:t>NumberFormatException</a:t>
-            </a:r>
-            <a:r>
-              <a:rPr lang="es-MX" altLang="es-MX" dirty="0"/>
-              <a:t> y el programa saltará al bloque catch.</a:t>
-            </a:r>
-          </a:p>
-        </p:txBody>
-      </p:sp>
-      <p:sp>
-        <p:nvSpPr>
-          <p:cNvPr id="8" name="Rectangle 3">
-            <a:extLst>
-              <a:ext uri="{FF2B5EF4-FFF2-40B4-BE49-F238E27FC236}">
-                <a16:creationId xmlns:a16="http://schemas.microsoft.com/office/drawing/2014/main" id="{2C2C5B82-7718-2B47-CB72-C259AC7CFD04}"/>
-              </a:ext>
-            </a:extLst>
-          </p:cNvPr>
-          <p:cNvSpPr>
-            <a:spLocks noChangeArrowheads="1"/>
-          </p:cNvSpPr>
-          <p:nvPr/>
-        </p:nvSpPr>
-        <p:spPr bwMode="auto">
-          <a:xfrm>
-            <a:off x="563847" y="4906327"/>
-            <a:ext cx="8891921" cy="369332"/>
-          </a:xfrm>
-          <a:prstGeom prst="rect">
-            <a:avLst/>
-          </a:prstGeom>
-          <a:noFill/>
-          <a:ln>
-            <a:noFill/>
-          </a:ln>
-          <a:effectLst/>
-          <a:extLst>
-            <a:ext uri="{909E8E84-426E-40DD-AFC4-6F175D3DCCD1}">
-              <a14:hiddenFill xmlns:a14="http://schemas.microsoft.com/office/drawing/2010/main">
-                <a:solidFill>
-                  <a:schemeClr val="accent1"/>
-                </a:solidFill>
-              </a14:hiddenFill>
-            </a:ext>
-            <a:ext uri="{91240B29-F687-4F45-9708-019B960494DF}">
-              <a14:hiddenLine xmlns:a14="http://schemas.microsoft.com/office/drawing/2010/main" w="9525">
-                <a:solidFill>
-                  <a:schemeClr val="tx1"/>
-                </a:solidFill>
-                <a:miter lim="800000"/>
-                <a:headEnd/>
-                <a:tailEnd/>
-              </a14:hiddenLine>
-            </a:ext>
-            <a:ext uri="{AF507438-7753-43E0-B8FC-AC1667EBCBE1}">
-              <a14:hiddenEffects xmlns:a14="http://schemas.microsoft.com/office/drawing/2010/main">
-                <a:effectLst>
-                  <a:outerShdw dist="35921" dir="2700000" algn="ctr" rotWithShape="0">
-                    <a:schemeClr val="bg2"/>
-                  </a:outerShdw>
-                </a:effectLst>
-              </a14:hiddenEffects>
-            </a:ext>
-          </a:extLst>
-        </p:spPr>
-        <p:txBody>
-          <a:bodyPr vert="horz" wrap="none" lIns="91440" tIns="45720" rIns="91440" bIns="45720" numCol="1" anchor="ctr" anchorCtr="0" compatLnSpc="1">
-            <a:prstTxWarp prst="textNoShape">
-              <a:avLst/>
-            </a:prstTxWarp>
-            <a:spAutoFit/>
-          </a:bodyPr>
-          <a:lstStyle/>
-          <a:p>
-            <a:pPr marL="0" marR="0" lvl="0" indent="0" algn="l" defTabSz="914400" rtl="0" eaLnBrk="0" fontAlgn="base" latinLnBrk="0" hangingPunct="0">
-              <a:lnSpc>
-                <a:spcPct val="100000"/>
-              </a:lnSpc>
-              <a:spcBef>
-                <a:spcPct val="0"/>
-              </a:spcBef>
-              <a:spcAft>
-                <a:spcPct val="0"/>
-              </a:spcAft>
-              <a:buClrTx/>
-              <a:buSzTx/>
-              <a:buFontTx/>
-              <a:buNone/>
-              <a:tabLst/>
-            </a:pPr>
-            <a:r>
-              <a:rPr lang="es-MX" altLang="es-MX"/>
-              <a:t>Actualiza la etiqueta de resultado (resultLabel) en la interfaz para mostrar el resultado del cálculo. </a:t>
-            </a:r>
-          </a:p>
-        </p:txBody>
-      </p:sp>
-      <p:sp>
-        <p:nvSpPr>
-          <p:cNvPr id="9" name="Rectangle 4">
-            <a:extLst>
-              <a:ext uri="{FF2B5EF4-FFF2-40B4-BE49-F238E27FC236}">
-                <a16:creationId xmlns:a16="http://schemas.microsoft.com/office/drawing/2014/main" id="{9DF21C92-66FC-1F8E-25C1-19152484FF6E}"/>
-              </a:ext>
-            </a:extLst>
-          </p:cNvPr>
-          <p:cNvSpPr>
-            <a:spLocks noChangeArrowheads="1"/>
-          </p:cNvSpPr>
-          <p:nvPr/>
-        </p:nvSpPr>
-        <p:spPr bwMode="auto">
-          <a:xfrm>
-            <a:off x="925228" y="5407023"/>
-            <a:ext cx="10663304" cy="1200329"/>
-          </a:xfrm>
-          <a:prstGeom prst="rect">
-            <a:avLst/>
-          </a:prstGeom>
-          <a:noFill/>
-          <a:ln>
-            <a:noFill/>
-          </a:ln>
-          <a:effectLst/>
-          <a:extLst>
-            <a:ext uri="{909E8E84-426E-40DD-AFC4-6F175D3DCCD1}">
-              <a14:hiddenFill xmlns:a14="http://schemas.microsoft.com/office/drawing/2010/main">
-                <a:solidFill>
-                  <a:schemeClr val="accent1"/>
-                </a:solidFill>
-              </a14:hiddenFill>
-            </a:ext>
-            <a:ext uri="{91240B29-F687-4F45-9708-019B960494DF}">
-              <a14:hiddenLine xmlns:a14="http://schemas.microsoft.com/office/drawing/2010/main" w="9525">
-                <a:solidFill>
-                  <a:schemeClr val="tx1"/>
-                </a:solidFill>
-                <a:miter lim="800000"/>
-                <a:headEnd/>
-                <a:tailEnd/>
-              </a14:hiddenLine>
-            </a:ext>
-            <a:ext uri="{AF507438-7753-43E0-B8FC-AC1667EBCBE1}">
-              <a14:hiddenEffects xmlns:a14="http://schemas.microsoft.com/office/drawing/2010/main">
-                <a:effectLst>
-                  <a:outerShdw dist="35921" dir="2700000" algn="ctr" rotWithShape="0">
-                    <a:schemeClr val="bg2"/>
-                  </a:outerShdw>
-                </a:effectLst>
-              </a14:hiddenEffects>
-            </a:ext>
-          </a:extLst>
-        </p:spPr>
-        <p:txBody>
-          <a:bodyPr vert="horz" wrap="none" lIns="91440" tIns="45720" rIns="91440" bIns="45720" numCol="1" anchor="ctr" anchorCtr="0" compatLnSpc="1">
-            <a:prstTxWarp prst="textNoShape">
-              <a:avLst/>
-            </a:prstTxWarp>
-            <a:spAutoFit/>
-          </a:bodyPr>
-          <a:lstStyle/>
-          <a:p>
-            <a:pPr marL="0" marR="0" lvl="0" indent="0" algn="l" defTabSz="914400" rtl="0" eaLnBrk="0" fontAlgn="base" latinLnBrk="0" hangingPunct="0">
-              <a:lnSpc>
-                <a:spcPct val="100000"/>
-              </a:lnSpc>
-              <a:spcBef>
-                <a:spcPct val="0"/>
-              </a:spcBef>
-              <a:spcAft>
-                <a:spcPct val="0"/>
-              </a:spcAft>
-              <a:buClrTx/>
-              <a:buSzTx/>
-              <a:buFontTx/>
-              <a:buNone/>
-              <a:tabLst/>
-            </a:pPr>
-            <a:r>
-              <a:rPr lang="es-MX" altLang="es-MX" dirty="0"/>
-              <a:t>catch (</a:t>
-            </a:r>
-            <a:r>
-              <a:rPr lang="es-MX" altLang="es-MX" dirty="0" err="1"/>
-              <a:t>NumberFormatException</a:t>
-            </a:r>
-            <a:r>
-              <a:rPr lang="es-MX" altLang="es-MX" dirty="0"/>
-              <a:t> e) { </a:t>
-            </a:r>
-            <a:r>
-              <a:rPr lang="es-MX" altLang="es-MX" dirty="0" err="1"/>
-              <a:t>resultLabel.setText</a:t>
-            </a:r>
-            <a:r>
-              <a:rPr lang="es-MX" altLang="es-MX" dirty="0"/>
-              <a:t>("Ingresa un número válido."); } </a:t>
-            </a:r>
-          </a:p>
-          <a:p>
-            <a:pPr marL="0" marR="0" lvl="0" indent="0" algn="l" defTabSz="914400" rtl="0" eaLnBrk="0" fontAlgn="base" latinLnBrk="0" hangingPunct="0">
+              <a:t>(n-1)</a:t>
+            </a:r>
+          </a:p>
+          <a:p>
+            <a:pPr marL="914400" marR="0" lvl="2" indent="0" algn="l" defTabSz="914400" rtl="0" eaLnBrk="0" fontAlgn="base" latinLnBrk="0" hangingPunct="0">
               <a:lnSpc>
                 <a:spcPct val="100000"/>
               </a:lnSpc>
@@ -7455,8 +6897,12 @@
               <a:tabLst/>
             </a:pPr>
             <a:r>
+              <a:rPr lang="es-MX" altLang="es-MX" dirty="0" err="1"/>
+              <a:t>fibonacci</a:t>
+            </a:r>
+            <a:r>
               <a:rPr lang="es-MX" altLang="es-MX" dirty="0"/>
-              <a:t>Si la conversión a número falla (porque el texto no era un entero), el programa ejecuta este bloque.</a:t>
+              <a:t>(n-2)</a:t>
             </a:r>
           </a:p>
           <a:p>
@@ -7473,12 +6919,12 @@
               <a:buClrTx/>
               <a:buSzTx/>
               <a:buFontTx/>
-              <a:buChar char="•"/>
+              <a:buAutoNum type="arabicPeriod" startAt="4"/>
               <a:tabLst/>
             </a:pPr>
             <a:r>
               <a:rPr lang="es-MX" altLang="es-MX" dirty="0"/>
-              <a:t>Muestra un mensaje de error claro en la etiqueta de resultado, guiando al usuario para que ingrese un número válido.</a:t>
+              <a:t>Suma ambos resultados y los devuelve.</a:t>
             </a:r>
           </a:p>
           <a:p>
@@ -7505,7 +6951,7 @@
     </p:spTree>
     <p:extLst>
       <p:ext uri="{BB962C8B-B14F-4D97-AF65-F5344CB8AC3E}">
-        <p14:creationId xmlns:p14="http://schemas.microsoft.com/office/powerpoint/2010/main" val="3617238828"/>
+        <p14:creationId xmlns:p14="http://schemas.microsoft.com/office/powerpoint/2010/main" val="2690390371"/>
       </p:ext>
     </p:extLst>
   </p:cSld>
@@ -7537,7 +6983,7 @@
           <p:cNvPr id="2" name="Título 1">
             <a:extLst>
               <a:ext uri="{FF2B5EF4-FFF2-40B4-BE49-F238E27FC236}">
-                <a16:creationId xmlns:a16="http://schemas.microsoft.com/office/drawing/2014/main" id="{ADBE0ED2-ABD1-6062-3139-1C476EA4CA3F}"/>
+                <a16:creationId xmlns:a16="http://schemas.microsoft.com/office/drawing/2014/main" id="{6CEA4707-4ADC-B868-0C68-DD83D7D2F1B2}"/>
               </a:ext>
             </a:extLst>
           </p:cNvPr>
@@ -7555,7 +7001,7 @@
           <a:p>
             <a:r>
               <a:rPr lang="es-MX" dirty="0"/>
-              <a:t>Resultado de recursividad</a:t>
+              <a:t>Clase suma recursividad</a:t>
             </a:r>
           </a:p>
         </p:txBody>
@@ -7565,7 +7011,7 @@
           <p:cNvPr id="5" name="Marcador de contenido 4">
             <a:extLst>
               <a:ext uri="{FF2B5EF4-FFF2-40B4-BE49-F238E27FC236}">
-                <a16:creationId xmlns:a16="http://schemas.microsoft.com/office/drawing/2014/main" id="{59902927-674F-6C86-D0B4-8F0F656DEFE4}"/>
+                <a16:creationId xmlns:a16="http://schemas.microsoft.com/office/drawing/2014/main" id="{92ED082A-AABB-642F-DBBD-75581931F7FE}"/>
               </a:ext>
             </a:extLst>
           </p:cNvPr>
@@ -7584,15 +7030,276 @@
         </p:blipFill>
         <p:spPr>
           <a:xfrm>
-            <a:off x="3432969" y="2547721"/>
-            <a:ext cx="5326062" cy="3317875"/>
+            <a:off x="1295402" y="2467179"/>
+            <a:ext cx="4953691" cy="2943636"/>
           </a:xfrm>
         </p:spPr>
       </p:pic>
+      <p:sp>
+        <p:nvSpPr>
+          <p:cNvPr id="6" name="Rectangle 1">
+            <a:extLst>
+              <a:ext uri="{FF2B5EF4-FFF2-40B4-BE49-F238E27FC236}">
+                <a16:creationId xmlns:a16="http://schemas.microsoft.com/office/drawing/2014/main" id="{0E1E5D3C-D177-DA95-01EE-8E5E13DF2CD8}"/>
+              </a:ext>
+            </a:extLst>
+          </p:cNvPr>
+          <p:cNvSpPr>
+            <a:spLocks noChangeArrowheads="1"/>
+          </p:cNvSpPr>
+          <p:nvPr/>
+        </p:nvSpPr>
+        <p:spPr bwMode="auto">
+          <a:xfrm>
+            <a:off x="6524090" y="2333685"/>
+            <a:ext cx="4777483" cy="4524315"/>
+          </a:xfrm>
+          <a:prstGeom prst="rect">
+            <a:avLst/>
+          </a:prstGeom>
+          <a:noFill/>
+          <a:ln>
+            <a:noFill/>
+          </a:ln>
+          <a:effectLst/>
+          <a:extLst>
+            <a:ext uri="{909E8E84-426E-40DD-AFC4-6F175D3DCCD1}">
+              <a14:hiddenFill xmlns:a14="http://schemas.microsoft.com/office/drawing/2010/main">
+                <a:solidFill>
+                  <a:schemeClr val="accent1"/>
+                </a:solidFill>
+              </a14:hiddenFill>
+            </a:ext>
+            <a:ext uri="{91240B29-F687-4F45-9708-019B960494DF}">
+              <a14:hiddenLine xmlns:a14="http://schemas.microsoft.com/office/drawing/2010/main" w="9525">
+                <a:solidFill>
+                  <a:schemeClr val="tx1"/>
+                </a:solidFill>
+                <a:miter lim="800000"/>
+                <a:headEnd/>
+                <a:tailEnd/>
+              </a14:hiddenLine>
+            </a:ext>
+            <a:ext uri="{AF507438-7753-43E0-B8FC-AC1667EBCBE1}">
+              <a14:hiddenEffects xmlns:a14="http://schemas.microsoft.com/office/drawing/2010/main">
+                <a:effectLst>
+                  <a:outerShdw dist="35921" dir="2700000" algn="ctr" rotWithShape="0">
+                    <a:schemeClr val="bg2"/>
+                  </a:outerShdw>
+                </a:effectLst>
+              </a14:hiddenEffects>
+            </a:ext>
+          </a:extLst>
+        </p:spPr>
+        <p:txBody>
+          <a:bodyPr vert="horz" wrap="square" lIns="91440" tIns="45720" rIns="91440" bIns="45720" numCol="1" anchor="ctr" anchorCtr="0" compatLnSpc="1">
+            <a:prstTxWarp prst="textNoShape">
+              <a:avLst/>
+            </a:prstTxWarp>
+            <a:spAutoFit/>
+          </a:bodyPr>
+          <a:lstStyle/>
+          <a:p>
+            <a:pPr marL="0" marR="0" lvl="0" indent="0" algn="l" defTabSz="914400" rtl="0" eaLnBrk="0" fontAlgn="base" latinLnBrk="0" hangingPunct="0">
+              <a:lnSpc>
+                <a:spcPct val="100000"/>
+              </a:lnSpc>
+              <a:spcBef>
+                <a:spcPct val="0"/>
+              </a:spcBef>
+              <a:spcAft>
+                <a:spcPct val="0"/>
+              </a:spcAft>
+              <a:buClrTx/>
+              <a:buSzTx/>
+              <a:buFontTx/>
+              <a:buNone/>
+              <a:tabLst/>
+            </a:pPr>
+            <a:r>
+              <a:rPr lang="es-MX" altLang="es-MX" sz="2400"/>
+              <a:t>La clase SumaRecursiva calcula la suma de los números desde 1 hasta n, usando recursividad.</a:t>
+            </a:r>
+          </a:p>
+          <a:p>
+            <a:pPr marL="0" marR="0" lvl="0" indent="0" algn="l" defTabSz="914400" rtl="0" eaLnBrk="0" fontAlgn="base" latinLnBrk="0" hangingPunct="0">
+              <a:lnSpc>
+                <a:spcPct val="100000"/>
+              </a:lnSpc>
+              <a:spcBef>
+                <a:spcPct val="0"/>
+              </a:spcBef>
+              <a:spcAft>
+                <a:spcPct val="0"/>
+              </a:spcAft>
+              <a:buClrTx/>
+              <a:buSzTx/>
+              <a:buFontTx/>
+              <a:buNone/>
+              <a:tabLst/>
+            </a:pPr>
+            <a:r>
+              <a:rPr lang="es-MX" altLang="es-MX" sz="2400"/>
+              <a:t>¿Cómo funciona?</a:t>
+            </a:r>
+          </a:p>
+          <a:p>
+            <a:pPr marL="0" marR="0" lvl="0" indent="0" algn="l" defTabSz="914400" rtl="0" eaLnBrk="0" fontAlgn="base" latinLnBrk="0" hangingPunct="0">
+              <a:lnSpc>
+                <a:spcPct val="100000"/>
+              </a:lnSpc>
+              <a:spcBef>
+                <a:spcPct val="0"/>
+              </a:spcBef>
+              <a:spcAft>
+                <a:spcPct val="0"/>
+              </a:spcAft>
+              <a:buClrTx/>
+              <a:buSzTx/>
+              <a:buFontTx/>
+              <a:buAutoNum type="arabicPeriod"/>
+              <a:tabLst/>
+            </a:pPr>
+            <a:r>
+              <a:rPr lang="es-MX" altLang="es-MX" sz="2400"/>
+              <a:t>Recibe un número n.</a:t>
+            </a:r>
+          </a:p>
+          <a:p>
+            <a:pPr marL="0" marR="0" lvl="0" indent="0" algn="l" defTabSz="914400" rtl="0" eaLnBrk="0" fontAlgn="base" latinLnBrk="0" hangingPunct="0">
+              <a:lnSpc>
+                <a:spcPct val="100000"/>
+              </a:lnSpc>
+              <a:spcBef>
+                <a:spcPct val="0"/>
+              </a:spcBef>
+              <a:spcAft>
+                <a:spcPct val="0"/>
+              </a:spcAft>
+              <a:buClrTx/>
+              <a:buSzTx/>
+              <a:buFontTx/>
+              <a:buAutoNum type="arabicPeriod" startAt="2"/>
+              <a:tabLst/>
+            </a:pPr>
+            <a:r>
+              <a:rPr lang="es-MX" altLang="es-MX" sz="2400"/>
+              <a:t>Define el caso base:</a:t>
+            </a:r>
+          </a:p>
+          <a:p>
+            <a:pPr marL="457200" marR="0" lvl="1" indent="0" algn="l" defTabSz="914400" rtl="0" eaLnBrk="0" fontAlgn="base" latinLnBrk="0" hangingPunct="0">
+              <a:lnSpc>
+                <a:spcPct val="100000"/>
+              </a:lnSpc>
+              <a:spcBef>
+                <a:spcPct val="0"/>
+              </a:spcBef>
+              <a:spcAft>
+                <a:spcPct val="0"/>
+              </a:spcAft>
+              <a:buClrTx/>
+              <a:buSzTx/>
+              <a:buFontTx/>
+              <a:buChar char="•"/>
+              <a:tabLst/>
+            </a:pPr>
+            <a:r>
+              <a:rPr lang="es-MX" altLang="es-MX" sz="2400"/>
+              <a:t>Si n es 0, devuelve 0.</a:t>
+            </a:r>
+          </a:p>
+          <a:p>
+            <a:pPr marL="0" marR="0" lvl="0" indent="0" algn="l" defTabSz="914400" rtl="0" eaLnBrk="0" fontAlgn="base" latinLnBrk="0" hangingPunct="0">
+              <a:lnSpc>
+                <a:spcPct val="100000"/>
+              </a:lnSpc>
+              <a:spcBef>
+                <a:spcPct val="0"/>
+              </a:spcBef>
+              <a:spcAft>
+                <a:spcPct val="0"/>
+              </a:spcAft>
+              <a:buClrTx/>
+              <a:buSzTx/>
+              <a:buFontTx/>
+              <a:buAutoNum type="arabicPeriod" startAt="3"/>
+              <a:tabLst/>
+            </a:pPr>
+            <a:r>
+              <a:rPr lang="es-MX" altLang="es-MX" sz="2400"/>
+              <a:t>Si no:</a:t>
+            </a:r>
+          </a:p>
+          <a:p>
+            <a:pPr marL="457200" marR="0" lvl="1" indent="0" algn="l" defTabSz="914400" rtl="0" eaLnBrk="0" fontAlgn="base" latinLnBrk="0" hangingPunct="0">
+              <a:lnSpc>
+                <a:spcPct val="100000"/>
+              </a:lnSpc>
+              <a:spcBef>
+                <a:spcPct val="0"/>
+              </a:spcBef>
+              <a:spcAft>
+                <a:spcPct val="0"/>
+              </a:spcAft>
+              <a:buClrTx/>
+              <a:buSzTx/>
+              <a:buFontTx/>
+              <a:buChar char="•"/>
+              <a:tabLst/>
+            </a:pPr>
+            <a:r>
+              <a:rPr lang="es-MX" altLang="es-MX" sz="2400"/>
+              <a:t>Se llama a sí misma restando 1.</a:t>
+            </a:r>
+          </a:p>
+          <a:p>
+            <a:pPr marL="0" marR="0" lvl="0" indent="0" algn="l" defTabSz="914400" rtl="0" eaLnBrk="0" fontAlgn="base" latinLnBrk="0" hangingPunct="0">
+              <a:lnSpc>
+                <a:spcPct val="100000"/>
+              </a:lnSpc>
+              <a:spcBef>
+                <a:spcPct val="0"/>
+              </a:spcBef>
+              <a:spcAft>
+                <a:spcPct val="0"/>
+              </a:spcAft>
+              <a:buClrTx/>
+              <a:buSzTx/>
+              <a:buFontTx/>
+              <a:buAutoNum type="arabicPeriod" startAt="4"/>
+              <a:tabLst/>
+            </a:pPr>
+            <a:r>
+              <a:rPr lang="es-MX" altLang="es-MX" sz="2400"/>
+              <a:t>Suma el valor actual con el resultado anterior.</a:t>
+            </a:r>
+          </a:p>
+          <a:p>
+            <a:pPr marL="0" marR="0" lvl="0" indent="0" algn="l" defTabSz="914400" rtl="0" eaLnBrk="0" fontAlgn="base" latinLnBrk="0" hangingPunct="0">
+              <a:lnSpc>
+                <a:spcPct val="100000"/>
+              </a:lnSpc>
+              <a:spcBef>
+                <a:spcPct val="0"/>
+              </a:spcBef>
+              <a:spcAft>
+                <a:spcPct val="0"/>
+              </a:spcAft>
+              <a:buClrTx/>
+              <a:buSzTx/>
+              <a:buFontTx/>
+              <a:buNone/>
+              <a:tabLst/>
+            </a:pPr>
+            <a:endParaRPr lang="es-MX" altLang="es-MX" sz="2400"/>
+          </a:p>
+        </p:txBody>
+      </p:sp>
     </p:spTree>
     <p:extLst>
       <p:ext uri="{BB962C8B-B14F-4D97-AF65-F5344CB8AC3E}">
-        <p14:creationId xmlns:p14="http://schemas.microsoft.com/office/powerpoint/2010/main" val="1756051694"/>
+        <p14:creationId xmlns:p14="http://schemas.microsoft.com/office/powerpoint/2010/main" val="2351488358"/>
       </p:ext>
     </p:extLst>
   </p:cSld>
@@ -7624,7 +7331,7 @@
           <p:cNvPr id="2" name="Título 1">
             <a:extLst>
               <a:ext uri="{FF2B5EF4-FFF2-40B4-BE49-F238E27FC236}">
-                <a16:creationId xmlns:a16="http://schemas.microsoft.com/office/drawing/2014/main" id="{5342355F-6854-6C1B-2C4A-2DBA485FD36C}"/>
+                <a16:creationId xmlns:a16="http://schemas.microsoft.com/office/drawing/2014/main" id="{4D4EEDE3-890B-98B9-7ECD-3B76A3FB12EE}"/>
               </a:ext>
             </a:extLst>
           </p:cNvPr>
@@ -7642,121 +7349,77 @@
           <a:p>
             <a:r>
               <a:rPr lang="es-MX" dirty="0"/>
-              <a:t>Conclusión </a:t>
-            </a:r>
-          </a:p>
-        </p:txBody>
-      </p:sp>
-      <p:sp>
-        <p:nvSpPr>
-          <p:cNvPr id="3" name="Marcador de contenido 2">
+              <a:t>Resultados de la ejecución </a:t>
+            </a:r>
+          </a:p>
+        </p:txBody>
+      </p:sp>
+      <p:pic>
+        <p:nvPicPr>
+          <p:cNvPr id="4" name="Marcador de contenido 3">
             <a:extLst>
               <a:ext uri="{FF2B5EF4-FFF2-40B4-BE49-F238E27FC236}">
-                <a16:creationId xmlns:a16="http://schemas.microsoft.com/office/drawing/2014/main" id="{830EC658-809B-0D0D-1390-AC5CD1659965}"/>
+                <a16:creationId xmlns:a16="http://schemas.microsoft.com/office/drawing/2014/main" id="{4B097FE0-9009-4275-2E87-0B78E701B2BC}"/>
               </a:ext>
             </a:extLst>
           </p:cNvPr>
-          <p:cNvSpPr>
-            <a:spLocks noGrp="1"/>
-          </p:cNvSpPr>
+          <p:cNvPicPr>
+            <a:picLocks noGrp="1" noChangeAspect="1"/>
+          </p:cNvPicPr>
           <p:nvPr>
             <p:ph idx="1"/>
           </p:nvPr>
-        </p:nvSpPr>
-        <p:spPr/>
-        <p:txBody>
-          <a:bodyPr>
-            <a:normAutofit fontScale="92500" lnSpcReduction="10000"/>
-          </a:bodyPr>
-          <a:lstStyle/>
-          <a:p>
-            <a:r>
-              <a:rPr lang="es-MX" dirty="0"/>
-              <a:t>La recursividad es una herramienta indispensable en el repertorio de un programador. Permite traducir la </a:t>
-            </a:r>
-            <a:r>
-              <a:rPr lang="es-MX" b="1" dirty="0"/>
-              <a:t>definición matemática o lógica</a:t>
-            </a:r>
-            <a:r>
-              <a:rPr lang="es-MX" dirty="0"/>
-              <a:t> de un problema directamente al código, lo que resulta en soluciones concisas y a menudo intuitivas para tareas complejas.</a:t>
-            </a:r>
-          </a:p>
-          <a:p>
-            <a:r>
-              <a:rPr lang="es-MX" dirty="0"/>
-              <a:t>Sin embargo, su poder viene con una necesidad de </a:t>
-            </a:r>
-            <a:r>
-              <a:rPr lang="es-MX" b="1" dirty="0"/>
-              <a:t>cuidado y comprensión</a:t>
-            </a:r>
-            <a:r>
-              <a:rPr lang="es-MX" dirty="0"/>
-              <a:t>. Cada llamada recursiva consume memoria del sistema al crear un nuevo </a:t>
-            </a:r>
-            <a:r>
-              <a:rPr lang="es-MX" b="1" dirty="0"/>
-              <a:t>marco de pila</a:t>
-            </a:r>
-            <a:r>
-              <a:rPr lang="es-MX" dirty="0"/>
-              <a:t> (</a:t>
-            </a:r>
-            <a:r>
-              <a:rPr lang="es-MX" i="1" dirty="0" err="1"/>
-              <a:t>stack</a:t>
-            </a:r>
-            <a:r>
-              <a:rPr lang="es-MX" i="1" dirty="0"/>
-              <a:t> </a:t>
-            </a:r>
-            <a:r>
-              <a:rPr lang="es-MX" i="1" dirty="0" err="1"/>
-              <a:t>frame</a:t>
-            </a:r>
-            <a:r>
-              <a:rPr lang="es-MX" dirty="0"/>
-              <a:t>). Una recursión mal definida, sin un caso base correcto o con un caso base demasiado lejano, puede llevar a un error de </a:t>
-            </a:r>
-            <a:r>
-              <a:rPr lang="es-MX" b="1" dirty="0"/>
-              <a:t>desbordamiento de pila</a:t>
-            </a:r>
-            <a:r>
-              <a:rPr lang="es-MX" dirty="0"/>
-              <a:t> (</a:t>
-            </a:r>
-            <a:r>
-              <a:rPr lang="es-MX" i="1" dirty="0" err="1"/>
-              <a:t>Stack</a:t>
-            </a:r>
-            <a:r>
-              <a:rPr lang="es-MX" i="1" dirty="0"/>
-              <a:t> </a:t>
-            </a:r>
-            <a:r>
-              <a:rPr lang="es-MX" i="1" dirty="0" err="1"/>
-              <a:t>Overflow</a:t>
-            </a:r>
-            <a:r>
-              <a:rPr lang="es-MX" dirty="0"/>
-              <a:t>), deteniendo la ejecución del programa.</a:t>
-            </a:r>
-          </a:p>
-          <a:p>
-            <a:pPr marL="0" indent="0">
-              <a:buNone/>
-            </a:pPr>
-            <a:endParaRPr lang="es-MX" dirty="0"/>
-          </a:p>
-        </p:txBody>
-      </p:sp>
+        </p:nvPicPr>
+        <p:blipFill>
+          <a:blip r:embed="rId2"/>
+          <a:stretch>
+            <a:fillRect/>
+          </a:stretch>
+        </p:blipFill>
+        <p:spPr>
+          <a:xfrm>
+            <a:off x="2538575" y="2552061"/>
+            <a:ext cx="3705107" cy="3317875"/>
+          </a:xfrm>
+          <a:prstGeom prst="rect">
+            <a:avLst/>
+          </a:prstGeom>
+        </p:spPr>
+      </p:pic>
+      <p:pic>
+        <p:nvPicPr>
+          <p:cNvPr id="5" name="Marcador de contenido 4">
+            <a:extLst>
+              <a:ext uri="{FF2B5EF4-FFF2-40B4-BE49-F238E27FC236}">
+                <a16:creationId xmlns:a16="http://schemas.microsoft.com/office/drawing/2014/main" id="{4079B5A9-A636-E738-CB52-3E57B62D2885}"/>
+              </a:ext>
+            </a:extLst>
+          </p:cNvPr>
+          <p:cNvPicPr>
+            <a:picLocks noChangeAspect="1"/>
+          </p:cNvPicPr>
+          <p:nvPr/>
+        </p:nvPicPr>
+        <p:blipFill>
+          <a:blip r:embed="rId3"/>
+          <a:stretch>
+            <a:fillRect/>
+          </a:stretch>
+        </p:blipFill>
+        <p:spPr>
+          <a:xfrm>
+            <a:off x="6585733" y="2455036"/>
+            <a:ext cx="3249761" cy="3511927"/>
+          </a:xfrm>
+          <a:prstGeom prst="rect">
+            <a:avLst/>
+          </a:prstGeom>
+        </p:spPr>
+      </p:pic>
     </p:spTree>
     <p:extLst>
       <p:ext uri="{BB962C8B-B14F-4D97-AF65-F5344CB8AC3E}">
-        <p14:creationId xmlns:p14="http://schemas.microsoft.com/office/powerpoint/2010/main" val="4213907482"/>
+        <p14:creationId xmlns:p14="http://schemas.microsoft.com/office/powerpoint/2010/main" val="1701564592"/>
       </p:ext>
     </p:extLst>
   </p:cSld>
@@ -7783,12 +7446,167 @@
           <a:chExt cx="0" cy="0"/>
         </a:xfrm>
       </p:grpSpPr>
+      <p:pic>
+        <p:nvPicPr>
+          <p:cNvPr id="4" name="Marcador de contenido 4">
+            <a:extLst>
+              <a:ext uri="{FF2B5EF4-FFF2-40B4-BE49-F238E27FC236}">
+                <a16:creationId xmlns:a16="http://schemas.microsoft.com/office/drawing/2014/main" id="{B6945F5F-2B29-E2C8-3F64-766E9FBE55AE}"/>
+              </a:ext>
+            </a:extLst>
+          </p:cNvPr>
+          <p:cNvPicPr>
+            <a:picLocks noChangeAspect="1"/>
+          </p:cNvPicPr>
+          <p:nvPr/>
+        </p:nvPicPr>
+        <p:blipFill>
+          <a:blip r:embed="rId2"/>
+          <a:stretch>
+            <a:fillRect/>
+          </a:stretch>
+        </p:blipFill>
+        <p:spPr>
+          <a:xfrm>
+            <a:off x="723404" y="2748423"/>
+            <a:ext cx="3045792" cy="3313329"/>
+          </a:xfrm>
+          <a:prstGeom prst="rect">
+            <a:avLst/>
+          </a:prstGeom>
+        </p:spPr>
+      </p:pic>
+      <p:pic>
+        <p:nvPicPr>
+          <p:cNvPr id="5" name="Imagen 4">
+            <a:extLst>
+              <a:ext uri="{FF2B5EF4-FFF2-40B4-BE49-F238E27FC236}">
+                <a16:creationId xmlns:a16="http://schemas.microsoft.com/office/drawing/2014/main" id="{E15A72B1-F772-7C26-BB67-B5EE4E60754D}"/>
+              </a:ext>
+            </a:extLst>
+          </p:cNvPr>
+          <p:cNvPicPr>
+            <a:picLocks noChangeAspect="1"/>
+          </p:cNvPicPr>
+          <p:nvPr/>
+        </p:nvPicPr>
+        <p:blipFill>
+          <a:blip r:embed="rId3"/>
+          <a:stretch>
+            <a:fillRect/>
+          </a:stretch>
+        </p:blipFill>
+        <p:spPr>
+          <a:xfrm>
+            <a:off x="4774012" y="2709203"/>
+            <a:ext cx="3018585" cy="3313329"/>
+          </a:xfrm>
+          <a:prstGeom prst="rect">
+            <a:avLst/>
+          </a:prstGeom>
+        </p:spPr>
+      </p:pic>
+      <p:pic>
+        <p:nvPicPr>
+          <p:cNvPr id="6" name="Imagen 5">
+            <a:extLst>
+              <a:ext uri="{FF2B5EF4-FFF2-40B4-BE49-F238E27FC236}">
+                <a16:creationId xmlns:a16="http://schemas.microsoft.com/office/drawing/2014/main" id="{F22DF796-FE58-2A6F-DF18-76F2BD8A9A43}"/>
+              </a:ext>
+            </a:extLst>
+          </p:cNvPr>
+          <p:cNvPicPr>
+            <a:picLocks noChangeAspect="1"/>
+          </p:cNvPicPr>
+          <p:nvPr/>
+        </p:nvPicPr>
+        <p:blipFill>
+          <a:blip r:embed="rId4"/>
+          <a:stretch>
+            <a:fillRect/>
+          </a:stretch>
+        </p:blipFill>
+        <p:spPr>
+          <a:xfrm>
+            <a:off x="8390307" y="2709202"/>
+            <a:ext cx="3035934" cy="3313329"/>
+          </a:xfrm>
+          <a:prstGeom prst="rect">
+            <a:avLst/>
+          </a:prstGeom>
+        </p:spPr>
+      </p:pic>
+      <p:sp>
+        <p:nvSpPr>
+          <p:cNvPr id="8" name="CuadroTexto 7">
+            <a:extLst>
+              <a:ext uri="{FF2B5EF4-FFF2-40B4-BE49-F238E27FC236}">
+                <a16:creationId xmlns:a16="http://schemas.microsoft.com/office/drawing/2014/main" id="{7E2D756D-458B-8F90-2CD9-3E26AD4579FC}"/>
+              </a:ext>
+            </a:extLst>
+          </p:cNvPr>
+          <p:cNvSpPr txBox="1"/>
+          <p:nvPr/>
+        </p:nvSpPr>
+        <p:spPr>
+          <a:xfrm>
+            <a:off x="3047144" y="835468"/>
+            <a:ext cx="6097712" cy="1200329"/>
+          </a:xfrm>
+          <a:prstGeom prst="rect">
+            <a:avLst/>
+          </a:prstGeom>
+          <a:noFill/>
+        </p:spPr>
+        <p:txBody>
+          <a:bodyPr wrap="square">
+            <a:spAutoFit/>
+          </a:bodyPr>
+          <a:lstStyle/>
+          <a:p>
+            <a:r>
+              <a:rPr lang="es-MX" dirty="0"/>
+              <a:t>Las tres clases trabajan en conjunto para crear una aplicación ordenada, donde cada parte tiene una función clara: mostrar, controlar y calcular. Esto hace que el programa sea más fácil de entender y mantener.</a:t>
+            </a:r>
+          </a:p>
+        </p:txBody>
+      </p:sp>
+    </p:spTree>
+    <p:extLst>
+      <p:ext uri="{BB962C8B-B14F-4D97-AF65-F5344CB8AC3E}">
+        <p14:creationId xmlns:p14="http://schemas.microsoft.com/office/powerpoint/2010/main" val="115365611"/>
+      </p:ext>
+    </p:extLst>
+  </p:cSld>
+  <p:clrMapOvr>
+    <a:masterClrMapping/>
+  </p:clrMapOvr>
+</p:sld>
+</file>
+
+<file path=ppt/slides/slide8.xml><?xml version="1.0" encoding="utf-8"?>
+<p:sld xmlns:a="http://schemas.openxmlformats.org/drawingml/2006/main" xmlns:r="http://schemas.openxmlformats.org/officeDocument/2006/relationships" xmlns:p="http://schemas.openxmlformats.org/presentationml/2006/main">
+  <p:cSld>
+    <p:spTree>
+      <p:nvGrpSpPr>
+        <p:cNvPr id="1" name=""/>
+        <p:cNvGrpSpPr/>
+        <p:nvPr/>
+      </p:nvGrpSpPr>
+      <p:grpSpPr>
+        <a:xfrm>
+          <a:off x="0" y="0"/>
+          <a:ext cx="0" cy="0"/>
+          <a:chOff x="0" y="0"/>
+          <a:chExt cx="0" cy="0"/>
+        </a:xfrm>
+      </p:grpSpPr>
       <p:sp>
         <p:nvSpPr>
           <p:cNvPr id="2" name="Título 1">
             <a:extLst>
               <a:ext uri="{FF2B5EF4-FFF2-40B4-BE49-F238E27FC236}">
-                <a16:creationId xmlns:a16="http://schemas.microsoft.com/office/drawing/2014/main" id="{8AFEB17A-0669-F88A-173A-FAAF2EBE61AA}"/>
+                <a16:creationId xmlns:a16="http://schemas.microsoft.com/office/drawing/2014/main" id="{5342355F-6854-6C1B-2C4A-2DBA485FD36C}"/>
               </a:ext>
             </a:extLst>
           </p:cNvPr>
@@ -7801,14 +7619,12 @@
         </p:nvSpPr>
         <p:spPr/>
         <p:txBody>
-          <a:bodyPr>
-            <a:normAutofit fontScale="90000"/>
-          </a:bodyPr>
+          <a:bodyPr/>
           <a:lstStyle/>
           <a:p>
             <a:r>
               <a:rPr lang="es-MX" dirty="0"/>
-              <a:t>Link anexado de los ejercicios solicitados en GitHub</a:t>
+              <a:t>Conclusión </a:t>
             </a:r>
           </a:p>
         </p:txBody>
@@ -7818,7 +7634,7 @@
           <p:cNvPr id="3" name="Marcador de contenido 2">
             <a:extLst>
               <a:ext uri="{FF2B5EF4-FFF2-40B4-BE49-F238E27FC236}">
-                <a16:creationId xmlns:a16="http://schemas.microsoft.com/office/drawing/2014/main" id="{D2970543-7162-770F-3947-FDE8BA256AB8}"/>
+                <a16:creationId xmlns:a16="http://schemas.microsoft.com/office/drawing/2014/main" id="{830EC658-809B-0D0D-1390-AC5CD1659965}"/>
               </a:ext>
             </a:extLst>
           </p:cNvPr>
@@ -7831,7 +7647,9 @@
         </p:nvSpPr>
         <p:spPr/>
         <p:txBody>
-          <a:bodyPr/>
+          <a:bodyPr>
+            <a:normAutofit/>
+          </a:bodyPr>
           <a:lstStyle/>
           <a:p>
             <a:pPr marL="0" indent="0">
@@ -7839,7 +7657,51 @@
             </a:pPr>
             <a:r>
               <a:rPr lang="es-MX" dirty="0"/>
-              <a:t>https://github.com/Cynthia21Morales/EstructuraDeDatos_CynthiaJasmineMT/tree/main/Unidad%202/Ejercicios</a:t>
+              <a:t>En conclusión, el proyecto desarrollado permite comprender de manera práctica el uso de la </a:t>
+            </a:r>
+            <a:r>
+              <a:rPr lang="es-MX" b="1" dirty="0"/>
+              <a:t>recursividad en Java</a:t>
+            </a:r>
+            <a:r>
+              <a:rPr lang="es-MX" dirty="0"/>
+              <a:t>, aplicándola a problemas clásicos como el </a:t>
+            </a:r>
+            <a:r>
+              <a:rPr lang="es-MX" b="1" dirty="0"/>
+              <a:t>cálculo del factorial</a:t>
+            </a:r>
+            <a:r>
+              <a:rPr lang="es-MX" dirty="0"/>
+              <a:t>, la </a:t>
+            </a:r>
+            <a:r>
+              <a:rPr lang="es-MX" b="1" dirty="0"/>
+              <a:t>serie de Fibonacci</a:t>
+            </a:r>
+            <a:r>
+              <a:rPr lang="es-MX" dirty="0"/>
+              <a:t> y la </a:t>
+            </a:r>
+            <a:r>
+              <a:rPr lang="es-MX" b="1" dirty="0"/>
+              <a:t>suma recursiva</a:t>
+            </a:r>
+            <a:r>
+              <a:rPr lang="es-MX" dirty="0"/>
+              <a:t>. Mediante la implementación de una </a:t>
+            </a:r>
+            <a:r>
+              <a:rPr lang="es-MX" b="1" dirty="0"/>
+              <a:t>interfaz gráfica con </a:t>
+            </a:r>
+            <a:r>
+              <a:rPr lang="es-MX" b="1" dirty="0" err="1"/>
+              <a:t>JavaFX</a:t>
+            </a:r>
+            <a:r>
+              <a:rPr lang="es-MX" dirty="0"/>
+              <a:t>, se facilita la interacción del usuario y se refuerza el aprendizaje al visualizar los resultados de forma inmediata.</a:t>
             </a:r>
           </a:p>
         </p:txBody>
@@ -7847,7 +7709,7 @@
     </p:spTree>
     <p:extLst>
       <p:ext uri="{BB962C8B-B14F-4D97-AF65-F5344CB8AC3E}">
-        <p14:creationId xmlns:p14="http://schemas.microsoft.com/office/powerpoint/2010/main" val="2949643113"/>
+        <p14:creationId xmlns:p14="http://schemas.microsoft.com/office/powerpoint/2010/main" val="4213907482"/>
       </p:ext>
     </p:extLst>
   </p:cSld>
